--- a/课程PPT/10.JS作用域及执行上下文.pptx
+++ b/课程PPT/10.JS作用域及执行上下文.pptx
@@ -5,26 +5,26 @@
     <p:sldMasterId id="2147483648" r:id="rId1"/>
   </p:sldMasterIdLst>
   <p:notesMasterIdLst>
-    <p:notesMasterId r:id="rId19"/>
+    <p:notesMasterId r:id="rId6"/>
   </p:notesMasterIdLst>
   <p:sldIdLst>
-    <p:sldId id="1194" r:id="rId2"/>
-    <p:sldId id="1195" r:id="rId3"/>
-    <p:sldId id="1196" r:id="rId4"/>
-    <p:sldId id="1197" r:id="rId5"/>
-    <p:sldId id="1485" r:id="rId6"/>
-    <p:sldId id="1198" r:id="rId7"/>
-    <p:sldId id="1199" r:id="rId8"/>
-    <p:sldId id="1200" r:id="rId9"/>
-    <p:sldId id="1201" r:id="rId10"/>
-    <p:sldId id="1293" r:id="rId11"/>
-    <p:sldId id="1202" r:id="rId12"/>
-    <p:sldId id="1203" r:id="rId13"/>
-    <p:sldId id="1363" r:id="rId14"/>
-    <p:sldId id="1204" r:id="rId15"/>
-    <p:sldId id="1205" r:id="rId16"/>
-    <p:sldId id="1206" r:id="rId17"/>
-    <p:sldId id="1339" r:id="rId18"/>
+    <p:sldId id="1194" r:id="rId3"/>
+    <p:sldId id="1195" r:id="rId4"/>
+    <p:sldId id="1196" r:id="rId5"/>
+    <p:sldId id="1197" r:id="rId7"/>
+    <p:sldId id="1485" r:id="rId8"/>
+    <p:sldId id="1198" r:id="rId9"/>
+    <p:sldId id="1199" r:id="rId10"/>
+    <p:sldId id="1200" r:id="rId11"/>
+    <p:sldId id="1201" r:id="rId12"/>
+    <p:sldId id="1293" r:id="rId13"/>
+    <p:sldId id="1202" r:id="rId14"/>
+    <p:sldId id="1203" r:id="rId15"/>
+    <p:sldId id="1363" r:id="rId16"/>
+    <p:sldId id="1204" r:id="rId17"/>
+    <p:sldId id="1205" r:id="rId18"/>
+    <p:sldId id="1498" r:id="rId19"/>
+    <p:sldId id="1339" r:id="rId20"/>
   </p:sldIdLst>
   <p:sldSz cx="12192000" cy="6858000"/>
   <p:notesSz cx="6797675" cy="9928225"/>
@@ -343,6 +343,7 @@
               <a:rPr lang="zh-CN" altLang="zh-CN" noProof="0" smtClean="0"/>
               <a:t>                                                   </a:t>
             </a:r>
+            <a:endParaRPr lang="zh-CN" altLang="zh-CN" noProof="0" smtClean="0"/>
           </a:p>
           <a:p>
             <a:pPr lvl="1"/>
@@ -350,6 +351,7 @@
               <a:rPr lang="zh-CN" altLang="zh-CN" noProof="0" smtClean="0"/>
               <a:t>               </a:t>
             </a:r>
+            <a:endParaRPr lang="zh-CN" altLang="zh-CN" noProof="0" smtClean="0"/>
           </a:p>
           <a:p>
             <a:pPr lvl="2"/>
@@ -357,6 +359,7 @@
               <a:rPr lang="zh-CN" altLang="zh-CN" noProof="0" smtClean="0"/>
               <a:t>                </a:t>
             </a:r>
+            <a:endParaRPr lang="zh-CN" altLang="zh-CN" noProof="0" smtClean="0"/>
           </a:p>
           <a:p>
             <a:pPr lvl="3"/>
@@ -364,6 +367,7 @@
               <a:rPr lang="zh-CN" altLang="zh-CN" noProof="0" smtClean="0"/>
               <a:t>                </a:t>
             </a:r>
+            <a:endParaRPr lang="zh-CN" altLang="zh-CN" noProof="0" smtClean="0"/>
           </a:p>
           <a:p>
             <a:pPr lvl="4"/>
@@ -371,6 +375,7 @@
               <a:rPr lang="zh-CN" altLang="zh-CN" noProof="0" smtClean="0"/>
               <a:t>                </a:t>
             </a:r>
+            <a:endParaRPr lang="zh-CN" altLang="zh-CN" noProof="0" smtClean="0"/>
           </a:p>
         </p:txBody>
       </p:sp>
@@ -453,18 +458,12 @@
           <a:p>
             <a:fld id="{D9AFD278-84AA-4CAA-9049-809825956FE0}" type="slidenum">
               <a:rPr lang="en-US" altLang="zh-CN"/>
-              <a:t>‹#›</a:t>
             </a:fld>
             <a:endParaRPr lang="zh-CN" altLang="zh-CN"/>
           </a:p>
         </p:txBody>
       </p:sp>
     </p:spTree>
-    <p:extLst>
-      <p:ext uri="{BB962C8B-B14F-4D97-AF65-F5344CB8AC3E}">
-        <p14:creationId xmlns:p14="http://schemas.microsoft.com/office/powerpoint/2010/main" val="1866795916"/>
-      </p:ext>
-    </p:extLst>
   </p:cSld>
   <p:clrMap bg1="lt1" tx1="dk1" bg2="lt2" tx2="dk2" accent1="accent1" accent2="accent2" accent3="accent3" accent4="accent4" accent5="accent5" accent6="accent6" hlink="hlink" folHlink="folHlink"/>
   <p:notesStyle>
@@ -640,6 +639,7 @@
               <a:rPr lang="zh-CN" altLang="en-US" dirty="0"/>
               <a:t>作用域：变量能够引用、函数能够生效的区域</a:t>
             </a:r>
+            <a:endParaRPr lang="zh-CN" altLang="en-US" dirty="0"/>
           </a:p>
         </p:txBody>
       </p:sp>
@@ -660,7 +660,6 @@
           <a:p>
             <a:fld id="{D9AFD278-84AA-4CAA-9049-809825956FE0}" type="slidenum">
               <a:rPr lang="en-US" altLang="zh-CN" smtClean="0"/>
-              <a:t>3</a:t>
             </a:fld>
             <a:endParaRPr lang="zh-CN" altLang="zh-CN"/>
           </a:p>
@@ -739,7 +738,6 @@
           <a:p>
             <a:fld id="{D9AFD278-84AA-4CAA-9049-809825956FE0}" type="slidenum">
               <a:rPr lang="en-US" altLang="zh-CN" smtClean="0"/>
-              <a:t>14</a:t>
             </a:fld>
             <a:endParaRPr lang="zh-CN" altLang="zh-CN"/>
           </a:p>
@@ -801,6 +799,7 @@
               <a:rPr lang="zh-CN" altLang="en-US" dirty="0"/>
               <a:t>作用域：变量能够引用、函数能够生效的区域</a:t>
             </a:r>
+            <a:endParaRPr lang="zh-CN" altLang="en-US" dirty="0"/>
           </a:p>
         </p:txBody>
       </p:sp>
@@ -821,7 +820,6 @@
           <a:p>
             <a:fld id="{D9AFD278-84AA-4CAA-9049-809825956FE0}" type="slidenum">
               <a:rPr lang="en-US" altLang="zh-CN" smtClean="0"/>
-              <a:t>17</a:t>
             </a:fld>
             <a:endParaRPr lang="zh-CN" altLang="zh-CN"/>
           </a:p>
@@ -883,6 +881,7 @@
               <a:rPr lang="zh-CN" altLang="en-US" dirty="0"/>
               <a:t>作用域：变量能够引用、函数能够生效的区域</a:t>
             </a:r>
+            <a:endParaRPr lang="zh-CN" altLang="en-US" dirty="0"/>
           </a:p>
         </p:txBody>
       </p:sp>
@@ -903,7 +902,6 @@
           <a:p>
             <a:fld id="{D9AFD278-84AA-4CAA-9049-809825956FE0}" type="slidenum">
               <a:rPr lang="en-US" altLang="zh-CN" smtClean="0"/>
-              <a:t>4</a:t>
             </a:fld>
             <a:endParaRPr lang="zh-CN" altLang="zh-CN"/>
           </a:p>
@@ -965,6 +963,7 @@
               <a:rPr lang="zh-CN" altLang="en-US" dirty="0"/>
               <a:t>作用域：变量能够引用、函数能够生效的区域</a:t>
             </a:r>
+            <a:endParaRPr lang="zh-CN" altLang="en-US" dirty="0"/>
           </a:p>
         </p:txBody>
       </p:sp>
@@ -985,7 +984,6 @@
           <a:p>
             <a:fld id="{D9AFD278-84AA-4CAA-9049-809825956FE0}" type="slidenum">
               <a:rPr lang="en-US" altLang="zh-CN" smtClean="0"/>
-              <a:t>5</a:t>
             </a:fld>
             <a:endParaRPr lang="zh-CN" altLang="zh-CN"/>
           </a:p>
@@ -1047,6 +1045,7 @@
               <a:rPr lang="zh-CN" altLang="en-US" dirty="0"/>
               <a:t>作用域：变量能够引用、函数能够生效的区域</a:t>
             </a:r>
+            <a:endParaRPr lang="zh-CN" altLang="en-US" dirty="0"/>
           </a:p>
         </p:txBody>
       </p:sp>
@@ -1067,7 +1066,6 @@
           <a:p>
             <a:fld id="{D9AFD278-84AA-4CAA-9049-809825956FE0}" type="slidenum">
               <a:rPr lang="en-US" altLang="zh-CN" smtClean="0"/>
-              <a:t>6</a:t>
             </a:fld>
             <a:endParaRPr lang="zh-CN" altLang="zh-CN"/>
           </a:p>
@@ -1147,48 +1145,56 @@
               <a:rPr lang="zh-CN" altLang="en-US" dirty="0"/>
               <a:t>{</a:t>
             </a:r>
+            <a:endParaRPr lang="zh-CN" altLang="en-US" dirty="0"/>
           </a:p>
           <a:p>
             <a:r>
               <a:rPr lang="zh-CN" altLang="en-US" dirty="0"/>
               <a:t>  {</a:t>
             </a:r>
+            <a:endParaRPr lang="zh-CN" altLang="en-US" dirty="0"/>
           </a:p>
           <a:p>
             <a:r>
               <a:rPr lang="zh-CN" altLang="en-US" dirty="0"/>
               <a:t>  var i = 10;</a:t>
             </a:r>
+            <a:endParaRPr lang="zh-CN" altLang="en-US" dirty="0"/>
           </a:p>
           <a:p>
             <a:r>
               <a:rPr lang="zh-CN" altLang="en-US" dirty="0"/>
               <a:t>  console.log(i);</a:t>
             </a:r>
+            <a:endParaRPr lang="zh-CN" altLang="en-US" dirty="0"/>
           </a:p>
           <a:p>
             <a:r>
               <a:rPr lang="zh-CN" altLang="en-US" dirty="0"/>
               <a:t>  i++;</a:t>
             </a:r>
+            <a:endParaRPr lang="zh-CN" altLang="en-US" dirty="0"/>
           </a:p>
           <a:p>
             <a:r>
               <a:rPr lang="zh-CN" altLang="en-US" dirty="0"/>
               <a:t>  }</a:t>
             </a:r>
+            <a:endParaRPr lang="zh-CN" altLang="en-US" dirty="0"/>
           </a:p>
           <a:p>
             <a:r>
               <a:rPr lang="zh-CN" altLang="en-US" dirty="0"/>
               <a:t>console.log(i);</a:t>
             </a:r>
+            <a:endParaRPr lang="zh-CN" altLang="en-US" dirty="0"/>
           </a:p>
           <a:p>
             <a:r>
               <a:rPr lang="zh-CN" altLang="en-US" dirty="0"/>
               <a:t>}</a:t>
             </a:r>
+            <a:endParaRPr lang="zh-CN" altLang="en-US" dirty="0"/>
           </a:p>
           <a:p>
             <a:r>
@@ -1219,7 +1225,6 @@
           <a:p>
             <a:fld id="{D9AFD278-84AA-4CAA-9049-809825956FE0}" type="slidenum">
               <a:rPr lang="en-US" altLang="zh-CN" smtClean="0"/>
-              <a:t>7</a:t>
             </a:fld>
             <a:endParaRPr lang="zh-CN" altLang="zh-CN"/>
           </a:p>
@@ -1281,6 +1286,7 @@
               <a:rPr lang="zh-CN" altLang="en-US" dirty="0"/>
               <a:t>讲课执行上下文、下班执行上下文</a:t>
             </a:r>
+            <a:endParaRPr lang="zh-CN" altLang="en-US" dirty="0"/>
           </a:p>
         </p:txBody>
       </p:sp>
@@ -1301,7 +1307,6 @@
           <a:p>
             <a:fld id="{D9AFD278-84AA-4CAA-9049-809825956FE0}" type="slidenum">
               <a:rPr lang="en-US" altLang="zh-CN" smtClean="0"/>
-              <a:t>9</a:t>
             </a:fld>
             <a:endParaRPr lang="zh-CN" altLang="zh-CN"/>
           </a:p>
@@ -1363,6 +1368,7 @@
               <a:rPr lang="zh-CN" altLang="en-US" dirty="0"/>
               <a:t>讲课执行上下文、下班执行上下文</a:t>
             </a:r>
+            <a:endParaRPr lang="zh-CN" altLang="en-US" dirty="0"/>
           </a:p>
         </p:txBody>
       </p:sp>
@@ -1383,7 +1389,6 @@
           <a:p>
             <a:fld id="{D9AFD278-84AA-4CAA-9049-809825956FE0}" type="slidenum">
               <a:rPr lang="en-US" altLang="zh-CN" smtClean="0"/>
-              <a:t>10</a:t>
             </a:fld>
             <a:endParaRPr lang="zh-CN" altLang="zh-CN"/>
           </a:p>
@@ -1461,6 +1466,7 @@
               <a:rPr lang="zh-CN" altLang="en-US" dirty="0"/>
               <a:t>取钱</a:t>
             </a:r>
+            <a:endParaRPr lang="zh-CN" altLang="en-US" dirty="0"/>
           </a:p>
         </p:txBody>
       </p:sp>
@@ -1481,7 +1487,6 @@
           <a:p>
             <a:fld id="{D9AFD278-84AA-4CAA-9049-809825956FE0}" type="slidenum">
               <a:rPr lang="en-US" altLang="zh-CN" smtClean="0"/>
-              <a:t>11</a:t>
             </a:fld>
             <a:endParaRPr lang="zh-CN" altLang="zh-CN"/>
           </a:p>
@@ -1559,6 +1564,7 @@
               <a:rPr lang="zh-CN" altLang="en-US" dirty="0"/>
               <a:t>取钱</a:t>
             </a:r>
+            <a:endParaRPr lang="zh-CN" altLang="en-US" dirty="0"/>
           </a:p>
         </p:txBody>
       </p:sp>
@@ -1579,7 +1585,6 @@
           <a:p>
             <a:fld id="{D9AFD278-84AA-4CAA-9049-809825956FE0}" type="slidenum">
               <a:rPr lang="en-US" altLang="zh-CN" smtClean="0"/>
-              <a:t>13</a:t>
             </a:fld>
             <a:endParaRPr lang="zh-CN" altLang="zh-CN"/>
           </a:p>
@@ -1663,6 +1668,7 @@
               <a:rPr lang="zh-CN" altLang="en-US" dirty="0" smtClean="0"/>
               <a:t>单击此处编辑母版文本样式</a:t>
             </a:r>
+            <a:endParaRPr lang="zh-CN" altLang="en-US" dirty="0" smtClean="0"/>
           </a:p>
           <a:p>
             <a:pPr lvl="1"/>
@@ -1670,6 +1676,7 @@
               <a:rPr lang="zh-CN" altLang="en-US" dirty="0" smtClean="0"/>
               <a:t>第二级</a:t>
             </a:r>
+            <a:endParaRPr lang="zh-CN" altLang="en-US" dirty="0" smtClean="0"/>
           </a:p>
           <a:p>
             <a:pPr lvl="2"/>
@@ -1677,6 +1684,7 @@
               <a:rPr lang="zh-CN" altLang="en-US" dirty="0" smtClean="0"/>
               <a:t>第三级</a:t>
             </a:r>
+            <a:endParaRPr lang="zh-CN" altLang="en-US" dirty="0" smtClean="0"/>
           </a:p>
           <a:p>
             <a:pPr lvl="3"/>
@@ -1684,6 +1692,7 @@
               <a:rPr lang="zh-CN" altLang="en-US" dirty="0" smtClean="0"/>
               <a:t>第四级</a:t>
             </a:r>
+            <a:endParaRPr lang="zh-CN" altLang="en-US" dirty="0" smtClean="0"/>
           </a:p>
         </p:txBody>
       </p:sp>
@@ -1745,6 +1754,7 @@
               <a:rPr lang="zh-CN" altLang="en-US" dirty="0" smtClean="0"/>
               <a:t>单击此处编辑母版文本样式</a:t>
             </a:r>
+            <a:endParaRPr lang="zh-CN" altLang="en-US" dirty="0" smtClean="0"/>
           </a:p>
         </p:txBody>
       </p:sp>
@@ -1801,7 +1811,6 @@
           <a:p>
             <a:fld id="{2030C94F-1E7C-47E3-9C60-176A530B03BF}" type="slidenum">
               <a:rPr lang="en-US" altLang="zh-CN"/>
-              <a:t>‹#›</a:t>
             </a:fld>
             <a:endParaRPr lang="zh-CN" altLang="zh-CN" sz="3200" b="0"/>
           </a:p>
@@ -1892,6 +1901,7 @@
               <a:rPr lang="zh-CN" altLang="en-US" dirty="0" smtClean="0"/>
               <a:t>单击此处编辑母版文本样式</a:t>
             </a:r>
+            <a:endParaRPr lang="zh-CN" altLang="en-US" dirty="0" smtClean="0"/>
           </a:p>
           <a:p>
             <a:pPr lvl="1"/>
@@ -1899,6 +1909,7 @@
               <a:rPr lang="zh-CN" altLang="en-US" dirty="0" smtClean="0"/>
               <a:t>第二级</a:t>
             </a:r>
+            <a:endParaRPr lang="zh-CN" altLang="en-US" dirty="0" smtClean="0"/>
           </a:p>
           <a:p>
             <a:pPr lvl="2"/>
@@ -1906,6 +1917,7 @@
               <a:rPr lang="zh-CN" altLang="en-US" dirty="0" smtClean="0"/>
               <a:t>第三级</a:t>
             </a:r>
+            <a:endParaRPr lang="zh-CN" altLang="en-US" dirty="0" smtClean="0"/>
           </a:p>
           <a:p>
             <a:pPr lvl="3"/>
@@ -1913,6 +1925,7 @@
               <a:rPr lang="zh-CN" altLang="en-US" dirty="0" smtClean="0"/>
               <a:t>第四级</a:t>
             </a:r>
+            <a:endParaRPr lang="zh-CN" altLang="en-US" dirty="0" smtClean="0"/>
           </a:p>
         </p:txBody>
       </p:sp>
@@ -1970,6 +1983,7 @@
               <a:rPr lang="zh-CN" altLang="en-US" dirty="0" smtClean="0"/>
               <a:t>单击此处编辑母版文本样式</a:t>
             </a:r>
+            <a:endParaRPr lang="zh-CN" altLang="en-US" dirty="0" smtClean="0"/>
           </a:p>
         </p:txBody>
       </p:sp>
@@ -2051,6 +2065,7 @@
               <a:rPr lang="zh-CN" altLang="en-US" dirty="0" smtClean="0"/>
               <a:t>单击此处编辑母版文本样式</a:t>
             </a:r>
+            <a:endParaRPr lang="zh-CN" altLang="en-US" dirty="0" smtClean="0"/>
           </a:p>
           <a:p>
             <a:pPr lvl="1"/>
@@ -2058,6 +2073,7 @@
               <a:rPr lang="zh-CN" altLang="en-US" dirty="0" smtClean="0"/>
               <a:t>第二级</a:t>
             </a:r>
+            <a:endParaRPr lang="zh-CN" altLang="en-US" dirty="0" smtClean="0"/>
           </a:p>
           <a:p>
             <a:pPr lvl="2"/>
@@ -2065,6 +2081,7 @@
               <a:rPr lang="zh-CN" altLang="en-US" dirty="0" smtClean="0"/>
               <a:t>第三级</a:t>
             </a:r>
+            <a:endParaRPr lang="zh-CN" altLang="en-US" dirty="0" smtClean="0"/>
           </a:p>
           <a:p>
             <a:pPr lvl="3"/>
@@ -2072,6 +2089,7 @@
               <a:rPr lang="zh-CN" altLang="en-US" dirty="0" smtClean="0"/>
               <a:t>第四级</a:t>
             </a:r>
+            <a:endParaRPr lang="zh-CN" altLang="en-US" dirty="0" smtClean="0"/>
           </a:p>
         </p:txBody>
       </p:sp>
@@ -2129,6 +2147,7 @@
               <a:rPr lang="zh-CN" altLang="en-US" dirty="0" smtClean="0"/>
               <a:t>单击此处编辑母版文本样式</a:t>
             </a:r>
+            <a:endParaRPr lang="zh-CN" altLang="en-US" dirty="0" smtClean="0"/>
           </a:p>
         </p:txBody>
       </p:sp>
@@ -2210,6 +2229,7 @@
               <a:rPr lang="zh-CN" altLang="en-US" dirty="0" smtClean="0"/>
               <a:t>单击此处编辑母版文本样式</a:t>
             </a:r>
+            <a:endParaRPr lang="zh-CN" altLang="en-US" dirty="0" smtClean="0"/>
           </a:p>
           <a:p>
             <a:pPr lvl="1"/>
@@ -2217,6 +2237,7 @@
               <a:rPr lang="zh-CN" altLang="en-US" dirty="0" smtClean="0"/>
               <a:t>第二级</a:t>
             </a:r>
+            <a:endParaRPr lang="zh-CN" altLang="en-US" dirty="0" smtClean="0"/>
           </a:p>
           <a:p>
             <a:pPr lvl="2"/>
@@ -2224,6 +2245,7 @@
               <a:rPr lang="zh-CN" altLang="en-US" dirty="0" smtClean="0"/>
               <a:t>第三级</a:t>
             </a:r>
+            <a:endParaRPr lang="zh-CN" altLang="en-US" dirty="0" smtClean="0"/>
           </a:p>
           <a:p>
             <a:pPr lvl="3"/>
@@ -2231,6 +2253,7 @@
               <a:rPr lang="zh-CN" altLang="en-US" dirty="0" smtClean="0"/>
               <a:t>第四级</a:t>
             </a:r>
+            <a:endParaRPr lang="zh-CN" altLang="en-US" dirty="0" smtClean="0"/>
           </a:p>
         </p:txBody>
       </p:sp>
@@ -2288,6 +2311,7 @@
               <a:rPr lang="zh-CN" altLang="en-US" dirty="0" smtClean="0"/>
               <a:t>单击此处编辑母版文本样式</a:t>
             </a:r>
+            <a:endParaRPr lang="zh-CN" altLang="en-US" dirty="0" smtClean="0"/>
           </a:p>
         </p:txBody>
       </p:sp>
@@ -2369,6 +2393,7 @@
               <a:rPr lang="zh-CN" altLang="en-US" dirty="0" smtClean="0"/>
               <a:t>单击此处编辑母版文本样式</a:t>
             </a:r>
+            <a:endParaRPr lang="zh-CN" altLang="en-US" dirty="0" smtClean="0"/>
           </a:p>
           <a:p>
             <a:pPr lvl="1"/>
@@ -2376,6 +2401,7 @@
               <a:rPr lang="zh-CN" altLang="en-US" dirty="0" smtClean="0"/>
               <a:t>第二级</a:t>
             </a:r>
+            <a:endParaRPr lang="zh-CN" altLang="en-US" dirty="0" smtClean="0"/>
           </a:p>
           <a:p>
             <a:pPr lvl="2"/>
@@ -2383,6 +2409,7 @@
               <a:rPr lang="zh-CN" altLang="en-US" dirty="0" smtClean="0"/>
               <a:t>第三级</a:t>
             </a:r>
+            <a:endParaRPr lang="zh-CN" altLang="en-US" dirty="0" smtClean="0"/>
           </a:p>
           <a:p>
             <a:pPr lvl="3"/>
@@ -2390,6 +2417,7 @@
               <a:rPr lang="zh-CN" altLang="en-US" dirty="0" smtClean="0"/>
               <a:t>第四级</a:t>
             </a:r>
+            <a:endParaRPr lang="zh-CN" altLang="en-US" dirty="0" smtClean="0"/>
           </a:p>
         </p:txBody>
       </p:sp>
@@ -2447,6 +2475,7 @@
               <a:rPr lang="zh-CN" altLang="en-US" dirty="0" smtClean="0"/>
               <a:t>单击此处编辑母版文本样式</a:t>
             </a:r>
+            <a:endParaRPr lang="zh-CN" altLang="en-US" dirty="0" smtClean="0"/>
           </a:p>
         </p:txBody>
       </p:sp>
@@ -2528,6 +2557,7 @@
               <a:rPr lang="zh-CN" altLang="en-US" dirty="0" smtClean="0"/>
               <a:t>单击此处编辑母版文本样式</a:t>
             </a:r>
+            <a:endParaRPr lang="zh-CN" altLang="en-US" dirty="0" smtClean="0"/>
           </a:p>
           <a:p>
             <a:pPr lvl="1"/>
@@ -2535,6 +2565,7 @@
               <a:rPr lang="zh-CN" altLang="en-US" dirty="0" smtClean="0"/>
               <a:t>第二级</a:t>
             </a:r>
+            <a:endParaRPr lang="zh-CN" altLang="en-US" dirty="0" smtClean="0"/>
           </a:p>
           <a:p>
             <a:pPr lvl="2"/>
@@ -2542,6 +2573,7 @@
               <a:rPr lang="zh-CN" altLang="en-US" dirty="0" smtClean="0"/>
               <a:t>第三级</a:t>
             </a:r>
+            <a:endParaRPr lang="zh-CN" altLang="en-US" dirty="0" smtClean="0"/>
           </a:p>
           <a:p>
             <a:pPr lvl="3"/>
@@ -2549,6 +2581,7 @@
               <a:rPr lang="zh-CN" altLang="en-US" dirty="0" smtClean="0"/>
               <a:t>第四级</a:t>
             </a:r>
+            <a:endParaRPr lang="zh-CN" altLang="en-US" dirty="0" smtClean="0"/>
           </a:p>
         </p:txBody>
       </p:sp>
@@ -2606,6 +2639,7 @@
               <a:rPr lang="zh-CN" altLang="en-US" dirty="0" smtClean="0"/>
               <a:t>单击此处编辑母版文本样式</a:t>
             </a:r>
+            <a:endParaRPr lang="zh-CN" altLang="en-US" dirty="0" smtClean="0"/>
           </a:p>
         </p:txBody>
       </p:sp>
@@ -2687,6 +2721,7 @@
               <a:rPr lang="zh-CN" altLang="en-US" dirty="0" smtClean="0"/>
               <a:t>单击此处编辑母版文本样式</a:t>
             </a:r>
+            <a:endParaRPr lang="zh-CN" altLang="en-US" dirty="0" smtClean="0"/>
           </a:p>
           <a:p>
             <a:pPr lvl="1"/>
@@ -2694,6 +2729,7 @@
               <a:rPr lang="zh-CN" altLang="en-US" dirty="0" smtClean="0"/>
               <a:t>第二级</a:t>
             </a:r>
+            <a:endParaRPr lang="zh-CN" altLang="en-US" dirty="0" smtClean="0"/>
           </a:p>
           <a:p>
             <a:pPr lvl="2"/>
@@ -2701,6 +2737,7 @@
               <a:rPr lang="zh-CN" altLang="en-US" dirty="0" smtClean="0"/>
               <a:t>第三级</a:t>
             </a:r>
+            <a:endParaRPr lang="zh-CN" altLang="en-US" dirty="0" smtClean="0"/>
           </a:p>
           <a:p>
             <a:pPr lvl="3"/>
@@ -2708,6 +2745,7 @@
               <a:rPr lang="zh-CN" altLang="en-US" dirty="0" smtClean="0"/>
               <a:t>第四级</a:t>
             </a:r>
+            <a:endParaRPr lang="zh-CN" altLang="en-US" dirty="0" smtClean="0"/>
           </a:p>
         </p:txBody>
       </p:sp>
@@ -2765,6 +2803,7 @@
               <a:rPr lang="zh-CN" altLang="en-US" dirty="0" smtClean="0"/>
               <a:t>单击此处编辑母版文本样式</a:t>
             </a:r>
+            <a:endParaRPr lang="zh-CN" altLang="en-US" dirty="0" smtClean="0"/>
           </a:p>
         </p:txBody>
       </p:sp>
@@ -2858,6 +2897,7 @@
               <a:rPr lang="zh-CN" altLang="en-US" dirty="0" smtClean="0"/>
               <a:t>单击此处编辑母版文本样式</a:t>
             </a:r>
+            <a:endParaRPr lang="zh-CN" altLang="en-US" dirty="0" smtClean="0"/>
           </a:p>
           <a:p>
             <a:pPr lvl="1"/>
@@ -2865,6 +2905,7 @@
               <a:rPr lang="zh-CN" altLang="en-US" dirty="0" smtClean="0"/>
               <a:t>第二级</a:t>
             </a:r>
+            <a:endParaRPr lang="zh-CN" altLang="en-US" dirty="0" smtClean="0"/>
           </a:p>
           <a:p>
             <a:pPr lvl="2"/>
@@ -2872,6 +2913,7 @@
               <a:rPr lang="zh-CN" altLang="en-US" dirty="0" smtClean="0"/>
               <a:t>第三级</a:t>
             </a:r>
+            <a:endParaRPr lang="zh-CN" altLang="en-US" dirty="0" smtClean="0"/>
           </a:p>
           <a:p>
             <a:pPr lvl="3"/>
@@ -2879,6 +2921,7 @@
               <a:rPr lang="zh-CN" altLang="en-US" dirty="0" smtClean="0"/>
               <a:t>第四级</a:t>
             </a:r>
+            <a:endParaRPr lang="zh-CN" altLang="en-US" dirty="0" smtClean="0"/>
           </a:p>
         </p:txBody>
       </p:sp>
@@ -2940,6 +2983,7 @@
               <a:rPr lang="zh-CN" altLang="en-US" dirty="0" smtClean="0"/>
               <a:t>单击此处编辑母版文本样式</a:t>
             </a:r>
+            <a:endParaRPr lang="zh-CN" altLang="en-US" dirty="0" smtClean="0"/>
           </a:p>
         </p:txBody>
       </p:sp>
@@ -2964,7 +3008,7 @@
     <p:bg bwMode="auto">
       <p:bgPr>
         <a:blipFill dpi="0" rotWithShape="0">
-          <a:blip r:embed="rId11"/>
+          <a:blip r:embed="rId10"/>
           <a:srcRect/>
           <a:stretch>
             <a:fillRect/>
@@ -3023,7 +3067,6 @@
           <a:p>
             <a:fld id="{43A45880-9E2A-43E4-955C-AEB11E14255E}" type="slidenum">
               <a:rPr lang="en-US" altLang="zh-CN"/>
-              <a:t>‹#›</a:t>
             </a:fld>
             <a:endParaRPr lang="zh-CN" altLang="zh-CN"/>
           </a:p>
@@ -3038,7 +3081,7 @@
           <p:nvPr/>
         </p:nvPicPr>
         <p:blipFill>
-          <a:blip r:embed="rId12">
+          <a:blip r:embed="rId11">
             <a:extLst>
               <a:ext uri="{28A0092B-C50C-407E-A947-70E740481C1C}">
                 <a14:useLocalDpi xmlns:a14="http://schemas.microsoft.com/office/drawing/2010/main" val="0"/>
@@ -3092,7 +3135,7 @@
           <p:nvPr/>
         </p:nvPicPr>
         <p:blipFill>
-          <a:blip r:embed="rId13">
+          <a:blip r:embed="rId12">
             <a:extLst>
               <a:ext uri="{28A0092B-C50C-407E-A947-70E740481C1C}">
                 <a14:useLocalDpi xmlns:a14="http://schemas.microsoft.com/office/drawing/2010/main" val="0"/>
@@ -3605,7 +3648,7 @@
           <p:nvPr/>
         </p:nvPicPr>
         <p:blipFill>
-          <a:blip r:embed="rId2">
+          <a:blip r:embed="rId1">
             <a:extLst>
               <a:ext uri="{28A0092B-C50C-407E-A947-70E740481C1C}">
                 <a14:useLocalDpi xmlns:a14="http://schemas.microsoft.com/office/drawing/2010/main" val="0"/>
@@ -3899,7 +3942,7 @@
           <p:nvPr/>
         </p:nvPicPr>
         <p:blipFill>
-          <a:blip r:embed="rId3">
+          <a:blip r:embed="rId2">
             <a:extLst>
               <a:ext uri="{28A0092B-C50C-407E-A947-70E740481C1C}">
                 <a14:useLocalDpi xmlns:a14="http://schemas.microsoft.com/office/drawing/2010/main" val="0"/>
@@ -4053,14 +4096,6 @@
               </a:rPr>
               <a:t>小明回家</a:t>
             </a:r>
-            <a:r>
-              <a:rPr kumimoji="0" lang="zh-CN" altLang="en-US" sz="2000" dirty="0" smtClean="0">
-                <a:solidFill>
-                  <a:schemeClr val="tx1"/>
-                </a:solidFill>
-              </a:rPr>
-              <a:t/>
-            </a:r>
             <a:br>
               <a:rPr kumimoji="0" lang="zh-CN" altLang="en-US" sz="2000" dirty="0" smtClean="0">
                 <a:solidFill>
@@ -4168,14 +4203,6 @@
               </a:rPr>
               <a:t>去银行</a:t>
             </a:r>
-            <a:r>
-              <a:rPr kumimoji="0" lang="en-US" altLang="zh-CN" sz="2000" dirty="0" smtClean="0">
-                <a:solidFill>
-                  <a:schemeClr val="tx1"/>
-                </a:solidFill>
-              </a:rPr>
-              <a:t/>
-            </a:r>
             <a:br>
               <a:rPr kumimoji="0" lang="en-US" altLang="zh-CN" sz="2000" dirty="0" smtClean="0">
                 <a:solidFill>
@@ -4236,14 +4263,6 @@
                 </a:solidFill>
               </a:rPr>
               <a:t>-继续做作业...</a:t>
-            </a:r>
-            <a:r>
-              <a:rPr kumimoji="0" lang="zh-CN" sz="3200" dirty="0" smtClean="0">
-                <a:solidFill>
-                  <a:schemeClr val="tx1"/>
-                </a:solidFill>
-              </a:rPr>
-              <a:t/>
             </a:r>
             <a:br>
               <a:rPr kumimoji="0" lang="zh-CN" sz="3200" dirty="0" smtClean="0">
@@ -4336,7 +4355,7 @@
           <p:nvPr/>
         </p:nvPicPr>
         <p:blipFill>
-          <a:blip r:embed="rId3"/>
+          <a:blip r:embed="rId1"/>
           <a:srcRect/>
           <a:stretch>
             <a:fillRect/>
@@ -4405,6 +4424,13 @@
               </a:rPr>
               <a:t>理解执行上下文的通俗例子</a:t>
             </a:r>
+            <a:endParaRPr lang="zh-CN" altLang="en-US" sz="2200">
+              <a:solidFill>
+                <a:srgbClr val="FF0000"/>
+              </a:solidFill>
+              <a:latin typeface="+mn-ea"/>
+              <a:ea typeface="+mn-ea"/>
+            </a:endParaRPr>
           </a:p>
         </p:txBody>
       </p:sp>
@@ -4751,7 +4777,7 @@
           <p:nvPr/>
         </p:nvPicPr>
         <p:blipFill>
-          <a:blip r:embed="rId3"/>
+          <a:blip r:embed="rId1"/>
           <a:srcRect l="76713"/>
           <a:stretch>
             <a:fillRect/>
@@ -4776,7 +4802,7 @@
           <p:nvPr/>
         </p:nvPicPr>
         <p:blipFill>
-          <a:blip r:embed="rId3"/>
+          <a:blip r:embed="rId1"/>
           <a:srcRect l="56472" r="22902"/>
           <a:stretch>
             <a:fillRect/>
@@ -4801,7 +4827,7 @@
           <p:nvPr/>
         </p:nvPicPr>
         <p:blipFill>
-          <a:blip r:embed="rId3"/>
+          <a:blip r:embed="rId1"/>
           <a:srcRect r="83763"/>
           <a:stretch>
             <a:fillRect/>
@@ -4826,7 +4852,7 @@
           <p:nvPr/>
         </p:nvPicPr>
         <p:blipFill>
-          <a:blip r:embed="rId3"/>
+          <a:blip r:embed="rId1"/>
           <a:srcRect l="15742" r="63365"/>
           <a:stretch>
             <a:fillRect/>
@@ -4911,14 +4937,6 @@
               </a:rPr>
               <a:t>）</a:t>
             </a:r>
-            <a:r>
-              <a:rPr kumimoji="0" lang="zh-CN" sz="3200" dirty="0" smtClean="0">
-                <a:solidFill>
-                  <a:schemeClr val="tx1"/>
-                </a:solidFill>
-              </a:rPr>
-              <a:t/>
-            </a:r>
             <a:br>
               <a:rPr kumimoji="0" lang="zh-CN" sz="3200" dirty="0" smtClean="0">
                 <a:solidFill>
@@ -4974,14 +4992,6 @@
               </a:rPr>
               <a:t>）</a:t>
             </a:r>
-            <a:r>
-              <a:rPr kumimoji="0" lang="en-US" altLang="zh-CN" sz="2000" dirty="0" smtClean="0">
-                <a:solidFill>
-                  <a:schemeClr val="tx1"/>
-                </a:solidFill>
-              </a:rPr>
-              <a:t/>
-            </a:r>
             <a:br>
               <a:rPr kumimoji="0" lang="en-US" altLang="zh-CN" sz="2000" dirty="0" smtClean="0">
                 <a:solidFill>
@@ -5069,6 +5079,11 @@
               </a:rPr>
               <a:t>环境</a:t>
             </a:r>
+            <a:endParaRPr kumimoji="0" lang="zh-CN" sz="2000" dirty="0" smtClean="0">
+              <a:solidFill>
+                <a:schemeClr val="tx1"/>
+              </a:solidFill>
+            </a:endParaRPr>
           </a:p>
           <a:p>
             <a:pPr>
@@ -5117,7 +5132,7 @@
           <p:nvPr/>
         </p:nvPicPr>
         <p:blipFill>
-          <a:blip r:embed="rId3"/>
+          <a:blip r:embed="rId1"/>
           <a:srcRect l="36140" r="43163"/>
           <a:stretch>
             <a:fillRect/>
@@ -5172,7 +5187,7 @@
           <p:nvPr/>
         </p:nvPicPr>
         <p:blipFill>
-          <a:blip r:embed="rId4"/>
+          <a:blip r:embed="rId2"/>
           <a:srcRect b="37634"/>
           <a:stretch>
             <a:fillRect/>
@@ -6248,6 +6263,11 @@
               </a:rPr>
               <a:t>作用域及其特点</a:t>
             </a:r>
+            <a:endParaRPr lang="zh-CN" altLang="en-US" sz="2800" b="1">
+              <a:solidFill>
+                <a:schemeClr val="tx1"/>
+              </a:solidFill>
+            </a:endParaRPr>
           </a:p>
           <a:p>
             <a:pPr algn="l">
@@ -6302,6 +6322,12 @@
               </a:rPr>
               <a:t>）</a:t>
             </a:r>
+            <a:endParaRPr lang="zh-CN" altLang="en-US" sz="2800" b="1">
+              <a:solidFill>
+                <a:schemeClr val="tx1"/>
+              </a:solidFill>
+              <a:sym typeface="+mn-ea"/>
+            </a:endParaRPr>
           </a:p>
           <a:p>
             <a:pPr algn="l">
@@ -6328,6 +6354,11 @@
               </a:rPr>
               <a:t>作用域链与执行上下文</a:t>
             </a:r>
+            <a:endParaRPr lang="zh-CN" altLang="en-US" sz="2800" b="1">
+              <a:solidFill>
+                <a:srgbClr val="FF0000"/>
+              </a:solidFill>
+            </a:endParaRPr>
           </a:p>
         </p:txBody>
       </p:sp>
@@ -6768,6 +6799,12 @@
               </a:rPr>
               <a:t>店老板）</a:t>
             </a:r>
+            <a:endParaRPr kumimoji="0" lang="zh-CN" altLang="en-US" sz="2000" dirty="0" smtClean="0">
+              <a:solidFill>
+                <a:schemeClr val="tx1"/>
+              </a:solidFill>
+              <a:sym typeface="+mn-ea"/>
+            </a:endParaRPr>
           </a:p>
           <a:p>
             <a:pPr marL="0" indent="0">
@@ -6906,6 +6943,7 @@
               <a:rPr lang="zh-CN" altLang="en-US"/>
               <a:t>家中</a:t>
             </a:r>
+            <a:endParaRPr lang="zh-CN" altLang="en-US"/>
           </a:p>
         </p:txBody>
       </p:sp>
@@ -7005,6 +7043,7 @@
               <a:rPr lang="en-US" altLang="zh-CN"/>
               <a:t>A</a:t>
             </a:r>
+            <a:endParaRPr lang="en-US" altLang="zh-CN"/>
           </a:p>
         </p:txBody>
       </p:sp>
@@ -7104,6 +7143,7 @@
               <a:rPr lang="en-US" altLang="zh-CN"/>
               <a:t>B</a:t>
             </a:r>
+            <a:endParaRPr lang="en-US" altLang="zh-CN"/>
           </a:p>
         </p:txBody>
       </p:sp>
@@ -7203,6 +7243,7 @@
               <a:rPr lang="en-US" altLang="zh-CN"/>
               <a:t>A</a:t>
             </a:r>
+            <a:endParaRPr lang="en-US" altLang="zh-CN"/>
           </a:p>
         </p:txBody>
       </p:sp>
@@ -7302,6 +7343,7 @@
               <a:rPr lang="en-US" altLang="zh-CN"/>
               <a:t>B</a:t>
             </a:r>
+            <a:endParaRPr lang="en-US" altLang="zh-CN"/>
           </a:p>
         </p:txBody>
       </p:sp>
@@ -8276,14 +8318,6 @@
               </a:rPr>
               <a:t>执行上下文</a:t>
             </a:r>
-            <a:r>
-              <a:rPr kumimoji="0" lang="zh-CN" sz="3200" dirty="0" smtClean="0">
-                <a:solidFill>
-                  <a:schemeClr val="tx1"/>
-                </a:solidFill>
-              </a:rPr>
-              <a:t/>
-            </a:r>
             <a:br>
               <a:rPr kumimoji="0" lang="zh-CN" sz="3200" dirty="0" smtClean="0">
                 <a:solidFill>
@@ -8372,15 +8406,6 @@
               </a:rPr>
               <a:t>（动态性）</a:t>
             </a:r>
-            <a:r>
-              <a:rPr kumimoji="0" lang="en-US" altLang="zh-CN" sz="2000" dirty="0" smtClean="0">
-                <a:solidFill>
-                  <a:schemeClr val="tx1"/>
-                </a:solidFill>
-                <a:sym typeface="+mn-ea"/>
-              </a:rPr>
-              <a:t/>
-            </a:r>
             <a:br>
               <a:rPr kumimoji="0" lang="en-US" altLang="zh-CN" sz="2000" dirty="0" smtClean="0">
                 <a:solidFill>
@@ -8514,6 +8539,12 @@
               </a:rPr>
               <a:t>被释放</a:t>
             </a:r>
+            <a:endParaRPr kumimoji="0" lang="zh-CN" altLang="en-US" sz="1800" dirty="0" smtClean="0">
+              <a:solidFill>
+                <a:schemeClr val="tx1"/>
+              </a:solidFill>
+              <a:sym typeface="+mn-ea"/>
+            </a:endParaRPr>
           </a:p>
           <a:p>
             <a:pPr>
@@ -8592,7 +8623,7 @@
           <p:nvPr/>
         </p:nvPicPr>
         <p:blipFill>
-          <a:blip r:embed="rId3"/>
+          <a:blip r:embed="rId1"/>
           <a:stretch>
             <a:fillRect/>
           </a:stretch>
@@ -8660,6 +8691,13 @@
               </a:rPr>
               <a:t>作用域链</a:t>
             </a:r>
+            <a:endParaRPr lang="zh-CN" altLang="en-US" sz="2200">
+              <a:solidFill>
+                <a:srgbClr val="FF0000"/>
+              </a:solidFill>
+              <a:latin typeface="+mn-ea"/>
+              <a:ea typeface="+mn-ea"/>
+            </a:endParaRPr>
           </a:p>
         </p:txBody>
       </p:sp>
@@ -9175,6 +9213,11 @@
               </a:rPr>
               <a:t>作用域及其特点</a:t>
             </a:r>
+            <a:endParaRPr lang="zh-CN" altLang="en-US" sz="2800" b="1">
+              <a:solidFill>
+                <a:schemeClr val="tx1"/>
+              </a:solidFill>
+            </a:endParaRPr>
           </a:p>
           <a:p>
             <a:pPr algn="l">
@@ -9229,6 +9272,12 @@
               </a:rPr>
               <a:t>）</a:t>
             </a:r>
+            <a:endParaRPr lang="zh-CN" altLang="en-US" sz="2800" b="1">
+              <a:solidFill>
+                <a:schemeClr val="tx1"/>
+              </a:solidFill>
+              <a:sym typeface="+mn-ea"/>
+            </a:endParaRPr>
           </a:p>
           <a:p>
             <a:pPr algn="l">
@@ -9251,6 +9300,7 @@
               <a:rPr lang="zh-CN" altLang="en-US" sz="2800" b="1"/>
               <a:t>作用域链与执行上下文</a:t>
             </a:r>
+            <a:endParaRPr lang="zh-CN" altLang="en-US" sz="2800" b="1"/>
           </a:p>
         </p:txBody>
       </p:sp>
@@ -9513,7 +9563,7 @@
           <p:nvPr/>
         </p:nvPicPr>
         <p:blipFill>
-          <a:blip r:embed="rId2">
+          <a:blip r:embed="rId1">
             <a:extLst>
               <a:ext uri="{28A0092B-C50C-407E-A947-70E740481C1C}">
                 <a14:useLocalDpi xmlns:a14="http://schemas.microsoft.com/office/drawing/2010/main" val="0"/>
@@ -9603,24 +9653,19 @@
           <a:p>
             <a:pPr algn="ctr" eaLnBrk="1" hangingPunct="1"/>
             <a:r>
+              <a:rPr kumimoji="0" lang="en-US" altLang="zh-CN" sz="5400" dirty="0"/>
+              <a:t>Thank </a:t>
+            </a:r>
+            <a:r>
               <a:rPr kumimoji="0" lang="en-US" altLang="zh-CN" sz="5400" dirty="0">
-                <a:sym typeface="+mn-ea"/>
-              </a:rPr>
-              <a:t>Have a </a:t>
-            </a:r>
-            <a:r>
-              <a:rPr kumimoji="0" lang="en-US" altLang="zh-CN" sz="5400" dirty="0">
                 <a:solidFill>
                   <a:srgbClr val="FF0000"/>
                 </a:solidFill>
-                <a:sym typeface="+mn-ea"/>
-              </a:rPr>
-              <a:t>Break</a:t>
-            </a:r>
-            <a:r>
-              <a:rPr kumimoji="0" lang="zh-CN" altLang="en-US" sz="5400" dirty="0">
-                <a:sym typeface="+mn-ea"/>
-              </a:rPr>
+              </a:rPr>
+              <a:t>You</a:t>
+            </a:r>
+            <a:r>
+              <a:rPr kumimoji="0" lang="zh-CN" altLang="en-US" sz="5400" dirty="0"/>
               <a:t>！</a:t>
             </a:r>
             <a:endParaRPr kumimoji="0" lang="zh-CN" altLang="zh-CN" sz="5400" dirty="0"/>
@@ -9636,7 +9681,7 @@
           <p:nvPr/>
         </p:nvPicPr>
         <p:blipFill>
-          <a:blip r:embed="rId3">
+          <a:blip r:embed="rId2">
             <a:extLst>
               <a:ext uri="{28A0092B-C50C-407E-A947-70E740481C1C}">
                 <a14:useLocalDpi xmlns:a14="http://schemas.microsoft.com/office/drawing/2010/main" val="0"/>
@@ -9767,14 +9812,6 @@
               </a:rPr>
               <a:t>环境：变量的管理</a:t>
             </a:r>
-            <a:r>
-              <a:rPr kumimoji="0" lang="zh-CN" altLang="en-US" sz="2000" dirty="0" smtClean="0">
-                <a:solidFill>
-                  <a:schemeClr val="tx1"/>
-                </a:solidFill>
-              </a:rPr>
-              <a:t/>
-            </a:r>
             <a:br>
               <a:rPr kumimoji="0" lang="zh-CN" altLang="en-US" sz="2000" dirty="0" smtClean="0">
                 <a:solidFill>
@@ -9799,14 +9836,6 @@
               </a:rPr>
               <a:t>当程序运行到变量所在的作用域时，变量被创建，此时需要一个存储的空间</a:t>
             </a:r>
-            <a:r>
-              <a:rPr kumimoji="0" lang="zh-CN" altLang="en-US" sz="2000" dirty="0" smtClean="0">
-                <a:solidFill>
-                  <a:srgbClr val="FF0000"/>
-                </a:solidFill>
-              </a:rPr>
-              <a:t/>
-            </a:r>
             <a:br>
               <a:rPr kumimoji="0" lang="zh-CN" altLang="en-US" sz="2000" dirty="0" smtClean="0">
                 <a:solidFill>
@@ -9919,6 +9948,12 @@
               </a:rPr>
               <a:t>对象</a:t>
             </a:r>
+            <a:endParaRPr lang="zh-CN" altLang="en-US" sz="2000" dirty="0" smtClean="0">
+              <a:solidFill>
+                <a:srgbClr val="000000"/>
+              </a:solidFill>
+              <a:sym typeface="+mn-ea"/>
+            </a:endParaRPr>
           </a:p>
           <a:p>
             <a:pPr>
@@ -9983,14 +10018,6 @@
                 <a:sym typeface="+mn-ea"/>
               </a:rPr>
               <a:t>任何执行上下文时刻的作用域，都是由作用域链 (scope chain) 来实现。 在一个函数被定义的时候，会将它定义时候的 scope chain 链接到这个函数对象的[[scope]]属性。 在一个函数对象被调用的时候，会创建一个活动对象 (也就是一个对象，然后对于每一个函数的形参，都命名为该活动对象的命名属性，然后将这个活动对象做为此时的作用域链 (scope chain) 最前端， 并将这个函数对象的 [[scope]] 加入到 scope chain 中</a:t>
-            </a:r>
-            <a:r>
-              <a:rPr kumimoji="0" lang="zh-CN" altLang="en-US" sz="2000" dirty="0" smtClean="0">
-                <a:solidFill>
-                  <a:schemeClr val="tx1"/>
-                </a:solidFill>
-              </a:rPr>
-              <a:t/>
             </a:r>
             <a:br>
               <a:rPr kumimoji="0" lang="zh-CN" altLang="en-US" sz="2000" dirty="0" smtClean="0">
@@ -10068,6 +10095,7 @@
               <a:rPr kumimoji="0" lang="zh-CN" altLang="en-US" dirty="0"/>
               <a:t>补充：</a:t>
             </a:r>
+            <a:endParaRPr kumimoji="0" lang="zh-CN" altLang="en-US" dirty="0"/>
           </a:p>
         </p:txBody>
       </p:sp>
@@ -10510,6 +10538,11 @@
               </a:rPr>
               <a:t>作用域及其特点</a:t>
             </a:r>
+            <a:endParaRPr lang="zh-CN" altLang="en-US" sz="2800" b="1">
+              <a:solidFill>
+                <a:srgbClr val="FF0000"/>
+              </a:solidFill>
+            </a:endParaRPr>
           </a:p>
           <a:p>
             <a:pPr algn="l">
@@ -10564,6 +10597,12 @@
               </a:rPr>
               <a:t>）</a:t>
             </a:r>
+            <a:endParaRPr lang="zh-CN" altLang="en-US" sz="2800" b="1">
+              <a:solidFill>
+                <a:schemeClr val="tx1"/>
+              </a:solidFill>
+              <a:sym typeface="+mn-ea"/>
+            </a:endParaRPr>
           </a:p>
           <a:p>
             <a:pPr algn="l">
@@ -10586,6 +10625,7 @@
               <a:rPr lang="zh-CN" altLang="en-US" sz="2800" b="1"/>
               <a:t>作用域链与执行上下文</a:t>
             </a:r>
+            <a:endParaRPr lang="zh-CN" altLang="en-US" sz="2800" b="1"/>
           </a:p>
         </p:txBody>
       </p:sp>
@@ -10892,15 +10932,6 @@
               </a:rPr>
               <a:t>什么是作用域</a:t>
             </a:r>
-            <a:r>
-              <a:rPr kumimoji="0" lang="zh-CN" altLang="en-US" sz="2000" dirty="0" smtClean="0">
-                <a:solidFill>
-                  <a:schemeClr val="tx1"/>
-                </a:solidFill>
-                <a:sym typeface="+mn-ea"/>
-              </a:rPr>
-              <a:t/>
-            </a:r>
             <a:br>
               <a:rPr kumimoji="0" lang="zh-CN" altLang="en-US" sz="2000" dirty="0" smtClean="0">
                 <a:solidFill>
@@ -10936,15 +10967,6 @@
               </a:rPr>
               <a:t>（变量生效的区域范围，即在何处可以被访问到）</a:t>
             </a:r>
-            <a:r>
-              <a:rPr kumimoji="0" lang="en-US" altLang="zh-CN" sz="2000" dirty="0" smtClean="0">
-                <a:solidFill>
-                  <a:schemeClr val="tx1"/>
-                </a:solidFill>
-                <a:sym typeface="+mn-ea"/>
-              </a:rPr>
-              <a:t/>
-            </a:r>
             <a:br>
               <a:rPr kumimoji="0" lang="en-US" altLang="zh-CN" sz="2000" dirty="0" smtClean="0">
                 <a:solidFill>
@@ -11006,14 +11028,6 @@
                 <a:sym typeface="+mn-ea"/>
               </a:rPr>
               <a:t>查找变量的一套规则</a:t>
-            </a:r>
-            <a:r>
-              <a:rPr kumimoji="0" lang="zh-CN" altLang="en-US" sz="2000" dirty="0" smtClean="0">
-                <a:solidFill>
-                  <a:schemeClr val="tx1"/>
-                </a:solidFill>
-              </a:rPr>
-              <a:t/>
             </a:r>
             <a:br>
               <a:rPr kumimoji="0" lang="zh-CN" altLang="en-US" sz="2000" dirty="0" smtClean="0">
@@ -11095,6 +11109,7 @@
               <a:rPr kumimoji="0" lang="zh-CN" altLang="en-US" dirty="0"/>
               <a:t>作用域及其特点</a:t>
             </a:r>
+            <a:endParaRPr kumimoji="0" lang="zh-CN" altLang="en-US" dirty="0"/>
           </a:p>
         </p:txBody>
       </p:sp>
@@ -11107,7 +11122,7 @@
           <p:nvPr/>
         </p:nvPicPr>
         <p:blipFill>
-          <a:blip r:embed="rId3"/>
+          <a:blip r:embed="rId1"/>
           <a:srcRect l="4275"/>
           <a:stretch>
             <a:fillRect/>
@@ -11205,10 +11220,6 @@
               </a:rPr>
               <a:t>作用域中被访问到，</a:t>
             </a:r>
-            <a:r>
-              <a:rPr lang="zh-CN" altLang="en-US" sz="2000"/>
-              <a:t/>
-            </a:r>
             <a:br>
               <a:rPr lang="zh-CN" altLang="en-US" sz="2000"/>
             </a:br>
@@ -11267,10 +11278,6 @@
                 </a:solidFill>
               </a:rPr>
               <a:t>作用域中被访问到</a:t>
-            </a:r>
-            <a:r>
-              <a:rPr lang="zh-CN" altLang="en-US" sz="2000"/>
-              <a:t/>
             </a:r>
             <a:br>
               <a:rPr lang="zh-CN" altLang="en-US" sz="2000"/>
@@ -11319,6 +11326,7 @@
               <a:rPr lang="zh-CN" altLang="en-US" sz="2000"/>
               <a:t>）</a:t>
             </a:r>
+            <a:endParaRPr lang="zh-CN" altLang="en-US" sz="2000"/>
           </a:p>
           <a:p>
             <a:r>
@@ -11393,6 +11401,11 @@
               </a:rPr>
               <a:t>）</a:t>
             </a:r>
+            <a:endParaRPr lang="zh-CN" altLang="en-US" sz="2000">
+              <a:solidFill>
+                <a:schemeClr val="tx1"/>
+              </a:solidFill>
+            </a:endParaRPr>
           </a:p>
         </p:txBody>
       </p:sp>
@@ -11449,6 +11462,13 @@
               </a:rPr>
               <a:t>作用域实例</a:t>
             </a:r>
+            <a:endParaRPr lang="zh-CN" altLang="en-US" sz="2200">
+              <a:solidFill>
+                <a:srgbClr val="FF0000"/>
+              </a:solidFill>
+              <a:latin typeface="+mn-ea"/>
+              <a:ea typeface="+mn-ea"/>
+            </a:endParaRPr>
           </a:p>
         </p:txBody>
       </p:sp>
@@ -11921,14 +11941,6 @@
               </a:rPr>
               <a:t>作用域特点（词法作用域）</a:t>
             </a:r>
-            <a:r>
-              <a:rPr kumimoji="0" lang="zh-CN" altLang="en-US" sz="2000" dirty="0" smtClean="0">
-                <a:solidFill>
-                  <a:schemeClr val="tx1"/>
-                </a:solidFill>
-              </a:rPr>
-              <a:t/>
-            </a:r>
             <a:br>
               <a:rPr kumimoji="0" lang="zh-CN" altLang="en-US" sz="2000" dirty="0" smtClean="0">
                 <a:solidFill>
@@ -11984,14 +11996,6 @@
               </a:rPr>
               <a:t>决定了一个变量的作用域</a:t>
             </a:r>
-            <a:r>
-              <a:rPr kumimoji="0" lang="zh-CN" altLang="en-US" sz="2000" dirty="0" smtClean="0">
-                <a:solidFill>
-                  <a:srgbClr val="FF0000"/>
-                </a:solidFill>
-              </a:rPr>
-              <a:t/>
-            </a:r>
             <a:br>
               <a:rPr kumimoji="0" lang="zh-CN" altLang="en-US" sz="2000" dirty="0" smtClean="0">
                 <a:solidFill>
@@ -12033,14 +12037,6 @@
                 <a:sym typeface="+mn-ea"/>
               </a:rPr>
               <a:t>，与调用形式无关（体现了静态性）</a:t>
-            </a:r>
-            <a:r>
-              <a:rPr kumimoji="0" lang="zh-CN" altLang="en-US" sz="2000" dirty="0" smtClean="0">
-                <a:solidFill>
-                  <a:schemeClr val="tx1"/>
-                </a:solidFill>
-              </a:rPr>
-              <a:t/>
             </a:r>
             <a:br>
               <a:rPr kumimoji="0" lang="zh-CN" altLang="en-US" sz="2000" dirty="0" smtClean="0">
@@ -12139,7 +12135,7 @@
           <p:nvPr/>
         </p:nvPicPr>
         <p:blipFill>
-          <a:blip r:embed="rId3"/>
+          <a:blip r:embed="rId1"/>
           <a:srcRect/>
           <a:stretch>
             <a:fillRect/>
@@ -12164,7 +12160,7 @@
           <p:nvPr/>
         </p:nvPicPr>
         <p:blipFill>
-          <a:blip r:embed="rId4"/>
+          <a:blip r:embed="rId2"/>
           <a:stretch>
             <a:fillRect/>
           </a:stretch>
@@ -12232,6 +12228,13 @@
               </a:rPr>
               <a:t>静态词法作用域实例</a:t>
             </a:r>
+            <a:endParaRPr lang="zh-CN" altLang="en-US" sz="2200">
+              <a:solidFill>
+                <a:srgbClr val="FF0000"/>
+              </a:solidFill>
+              <a:latin typeface="+mn-ea"/>
+              <a:ea typeface="+mn-ea"/>
+            </a:endParaRPr>
           </a:p>
         </p:txBody>
       </p:sp>
@@ -12737,14 +12740,6 @@
               </a:rPr>
               <a:t>）</a:t>
             </a:r>
-            <a:r>
-              <a:rPr kumimoji="0" lang="zh-CN" altLang="en-US" sz="2000" dirty="0" smtClean="0">
-                <a:solidFill>
-                  <a:schemeClr val="tx1"/>
-                </a:solidFill>
-              </a:rPr>
-              <a:t/>
-            </a:r>
             <a:br>
               <a:rPr kumimoji="0" lang="zh-CN" altLang="en-US" sz="2000" dirty="0" smtClean="0">
                 <a:solidFill>
@@ -12928,7 +12923,7 @@
           <p:nvPr/>
         </p:nvPicPr>
         <p:blipFill>
-          <a:blip r:embed="rId3"/>
+          <a:blip r:embed="rId1"/>
           <a:stretch>
             <a:fillRect/>
           </a:stretch>
@@ -12952,7 +12947,7 @@
           <p:nvPr/>
         </p:nvPicPr>
         <p:blipFill>
-          <a:blip r:embed="rId4"/>
+          <a:blip r:embed="rId2"/>
           <a:stretch>
             <a:fillRect/>
           </a:stretch>
@@ -13508,14 +13503,6 @@
               </a:rPr>
               <a:t>没有块作用域</a:t>
             </a:r>
-            <a:r>
-              <a:rPr kumimoji="0" lang="zh-CN" altLang="en-US" sz="2000" dirty="0" smtClean="0">
-                <a:solidFill>
-                  <a:schemeClr val="tx1"/>
-                </a:solidFill>
-              </a:rPr>
-              <a:t/>
-            </a:r>
             <a:br>
               <a:rPr kumimoji="0" lang="zh-CN" altLang="en-US" sz="2000" dirty="0" smtClean="0">
                 <a:solidFill>
@@ -13523,14 +13510,6 @@
                 </a:solidFill>
               </a:rPr>
             </a:br>
-            <a:r>
-              <a:rPr kumimoji="0" lang="zh-CN" altLang="en-US" sz="2000" dirty="0" smtClean="0">
-                <a:solidFill>
-                  <a:schemeClr val="tx1"/>
-                </a:solidFill>
-              </a:rPr>
-              <a:t/>
-            </a:r>
             <a:br>
               <a:rPr kumimoji="0" lang="zh-CN" altLang="en-US" sz="2000" dirty="0" smtClean="0">
                 <a:solidFill>
@@ -13538,14 +13517,6 @@
                 </a:solidFill>
               </a:rPr>
             </a:br>
-            <a:r>
-              <a:rPr kumimoji="0" lang="zh-CN" altLang="en-US" sz="2000" dirty="0" smtClean="0">
-                <a:solidFill>
-                  <a:schemeClr val="tx1"/>
-                </a:solidFill>
-              </a:rPr>
-              <a:t/>
-            </a:r>
             <a:br>
               <a:rPr kumimoji="0" lang="zh-CN" altLang="en-US" sz="2000" dirty="0" smtClean="0">
                 <a:solidFill>
@@ -13553,14 +13524,6 @@
                 </a:solidFill>
               </a:rPr>
             </a:br>
-            <a:r>
-              <a:rPr kumimoji="0" lang="zh-CN" altLang="en-US" sz="2000" dirty="0" smtClean="0">
-                <a:solidFill>
-                  <a:srgbClr val="FF0000"/>
-                </a:solidFill>
-              </a:rPr>
-              <a:t/>
-            </a:r>
             <a:br>
               <a:rPr kumimoji="0" lang="zh-CN" altLang="en-US" sz="2000" dirty="0" smtClean="0">
                 <a:solidFill>
@@ -13568,14 +13531,6 @@
                 </a:solidFill>
               </a:rPr>
             </a:br>
-            <a:r>
-              <a:rPr kumimoji="0" lang="zh-CN" altLang="en-US" sz="2000" dirty="0" smtClean="0">
-                <a:solidFill>
-                  <a:schemeClr val="tx1"/>
-                </a:solidFill>
-              </a:rPr>
-              <a:t/>
-            </a:r>
             <a:br>
               <a:rPr kumimoji="0" lang="zh-CN" altLang="en-US" sz="2000" dirty="0" smtClean="0">
                 <a:solidFill>
@@ -13660,6 +13615,9 @@
               </a:rPr>
               <a:t>作用域及其特点（关于块作用域 ）</a:t>
             </a:r>
+            <a:endParaRPr kumimoji="0" lang="zh-CN" altLang="en-US" dirty="0">
+              <a:sym typeface="+mn-ea"/>
+            </a:endParaRPr>
           </a:p>
         </p:txBody>
       </p:sp>
@@ -13672,7 +13630,7 @@
           <p:nvPr/>
         </p:nvPicPr>
         <p:blipFill>
-          <a:blip r:embed="rId3"/>
+          <a:blip r:embed="rId1"/>
           <a:stretch>
             <a:fillRect/>
           </a:stretch>
@@ -13696,7 +13654,7 @@
           <p:nvPr/>
         </p:nvPicPr>
         <p:blipFill>
-          <a:blip r:embed="rId4"/>
+          <a:blip r:embed="rId2"/>
           <a:stretch>
             <a:fillRect/>
           </a:stretch>
@@ -14190,6 +14148,12 @@
               </a:rPr>
               <a:t>无块作用域的问题（变量污染、变量共享问题）</a:t>
             </a:r>
+            <a:endParaRPr kumimoji="0" lang="zh-CN" altLang="en-US" sz="3200" dirty="0" smtClean="0">
+              <a:solidFill>
+                <a:schemeClr val="tx1"/>
+              </a:solidFill>
+              <a:sym typeface="+mn-ea"/>
+            </a:endParaRPr>
           </a:p>
           <a:p>
             <a:pPr>
@@ -14268,6 +14232,12 @@
               </a:rPr>
               <a:t>部分）</a:t>
             </a:r>
+            <a:endParaRPr kumimoji="0" lang="zh-CN" altLang="en-US" sz="3200" dirty="0" smtClean="0">
+              <a:solidFill>
+                <a:schemeClr val="tx1"/>
+              </a:solidFill>
+              <a:sym typeface="+mn-ea"/>
+            </a:endParaRPr>
           </a:p>
           <a:p>
             <a:pPr>
@@ -14341,6 +14311,9 @@
               </a:rPr>
               <a:t>（关于块作用域 ）</a:t>
             </a:r>
+            <a:endParaRPr kumimoji="0" lang="zh-CN" altLang="en-US" dirty="0">
+              <a:sym typeface="+mn-ea"/>
+            </a:endParaRPr>
           </a:p>
           <a:p>
             <a:endParaRPr kumimoji="0" lang="zh-CN" altLang="en-US" dirty="0"/>
@@ -14400,6 +14373,13 @@
               </a:rPr>
               <a:t>变量污染及解决办法</a:t>
             </a:r>
+            <a:endParaRPr lang="zh-CN" altLang="en-US" sz="2200">
+              <a:solidFill>
+                <a:srgbClr val="FF0000"/>
+              </a:solidFill>
+              <a:latin typeface="+mn-ea"/>
+              <a:ea typeface="+mn-ea"/>
+            </a:endParaRPr>
           </a:p>
         </p:txBody>
       </p:sp>
@@ -14412,7 +14392,7 @@
           <p:nvPr/>
         </p:nvPicPr>
         <p:blipFill>
-          <a:blip r:embed="rId3"/>
+          <a:blip r:embed="rId1"/>
           <a:stretch>
             <a:fillRect/>
           </a:stretch>
@@ -14436,7 +14416,7 @@
           <p:nvPr/>
         </p:nvPicPr>
         <p:blipFill>
-          <a:blip r:embed="rId4"/>
+          <a:blip r:embed="rId2"/>
           <a:stretch>
             <a:fillRect/>
           </a:stretch>
@@ -14460,7 +14440,7 @@
           <p:nvPr/>
         </p:nvPicPr>
         <p:blipFill>
-          <a:blip r:embed="rId5"/>
+          <a:blip r:embed="rId3"/>
           <a:stretch>
             <a:fillRect/>
           </a:stretch>
@@ -15160,6 +15140,11 @@
               </a:rPr>
               <a:t>作用域及其特点</a:t>
             </a:r>
+            <a:endParaRPr lang="zh-CN" altLang="en-US" sz="2800" b="1">
+              <a:solidFill>
+                <a:schemeClr val="tx1"/>
+              </a:solidFill>
+            </a:endParaRPr>
           </a:p>
           <a:p>
             <a:pPr algn="l">
@@ -15214,6 +15199,12 @@
               </a:rPr>
               <a:t>）</a:t>
             </a:r>
+            <a:endParaRPr lang="zh-CN" altLang="en-US" sz="2800" b="1">
+              <a:solidFill>
+                <a:srgbClr val="FF0000"/>
+              </a:solidFill>
+              <a:sym typeface="+mn-ea"/>
+            </a:endParaRPr>
           </a:p>
           <a:p>
             <a:pPr algn="l">
@@ -15236,6 +15227,7 @@
               <a:rPr lang="zh-CN" altLang="en-US" sz="2800" b="1"/>
               <a:t>作用域链与执行上下文</a:t>
             </a:r>
+            <a:endParaRPr lang="zh-CN" altLang="en-US" sz="2800" b="1"/>
           </a:p>
         </p:txBody>
       </p:sp>
@@ -15621,15 +15613,6 @@
               </a:rPr>
               <a:t>变量、相关的函数、相关自由变量等）</a:t>
             </a:r>
-            <a:r>
-              <a:rPr kumimoji="0" lang="en-US" altLang="zh-CN" sz="2000" dirty="0" smtClean="0">
-                <a:solidFill>
-                  <a:schemeClr val="tx1"/>
-                </a:solidFill>
-                <a:sym typeface="+mn-ea"/>
-              </a:rPr>
-              <a:t/>
-            </a:r>
             <a:br>
               <a:rPr kumimoji="0" lang="en-US" altLang="zh-CN" sz="2000" dirty="0" smtClean="0">
                 <a:solidFill>
@@ -15710,6 +15693,12 @@
               </a:rPr>
               <a:t>只有一个</a:t>
             </a:r>
+            <a:endParaRPr kumimoji="0" lang="en-US" altLang="zh-CN" sz="2000" dirty="0" smtClean="0">
+              <a:solidFill>
+                <a:schemeClr val="tx1"/>
+              </a:solidFill>
+              <a:sym typeface="+mn-ea"/>
+            </a:endParaRPr>
           </a:p>
           <a:p>
             <a:pPr>
@@ -15788,7 +15777,7 @@
           <p:nvPr/>
         </p:nvPicPr>
         <p:blipFill>
-          <a:blip r:embed="rId3"/>
+          <a:blip r:embed="rId1"/>
           <a:stretch>
             <a:fillRect/>
           </a:stretch>
@@ -16524,10 +16513,9 @@
       </a:lstStyle>
     </a:lnDef>
   </a:objectDefaults>
-  <a:extraClrSchemeLst/>
   <a:extLst>
     <a:ext uri="{05A4C25C-085E-4340-85A3-A5531E510DB2}">
-      <thm15:themeFamily xmlns="" xmlns:thm15="http://schemas.microsoft.com/office/thememl/2012/main" name="Office Theme" id="{62F939B6-93AF-4DB8-9C6B-D6C7DFDC589F}" vid="{4A3C46E8-61CC-4603-A589-7422A47A8E4A}"/>
+      <thm15:themeFamily xmlns:thm15="http://schemas.microsoft.com/office/thememl/2012/main" name="Office Theme" id="{62F939B6-93AF-4DB8-9C6B-D6C7DFDC589F}" vid="{4A3C46E8-61CC-4603-A589-7422A47A8E4A}"/>
     </a:ext>
   </a:extLst>
 </a:theme>
@@ -16811,11 +16799,9 @@
       </a:bgFillStyleLst>
     </a:fmtScheme>
   </a:themeElements>
-  <a:objectDefaults/>
-  <a:extraClrSchemeLst/>
   <a:extLst>
     <a:ext uri="{05A4C25C-085E-4340-85A3-A5531E510DB2}">
-      <thm15:themeFamily xmlns="" xmlns:thm15="http://schemas.microsoft.com/office/thememl/2012/main" name="Office Theme" id="{62F939B6-93AF-4DB8-9C6B-D6C7DFDC589F}" vid="{4A3C46E8-61CC-4603-A589-7422A47A8E4A}"/>
+      <thm15:themeFamily xmlns:thm15="http://schemas.microsoft.com/office/thememl/2012/main" name="Office Theme" id="{62F939B6-93AF-4DB8-9C6B-D6C7DFDC589F}" vid="{4A3C46E8-61CC-4603-A589-7422A47A8E4A}"/>
     </a:ext>
   </a:extLst>
 </a:theme>

--- a/课程PPT/10.JS作用域及执行上下文.pptx
+++ b/课程PPT/10.JS作用域及执行上下文.pptx
@@ -13205,6 +13205,343 @@
                             </p:childTnLst>
                           </p:cTn>
                         </p:par>
+                        <p:par>
+                          <p:cTn id="9" fill="hold">
+                            <p:stCondLst>
+                              <p:cond delay="500"/>
+                            </p:stCondLst>
+                            <p:childTnLst>
+                              <p:par>
+                                <p:cTn id="10" presetID="2" presetClass="entr" presetSubtype="4" fill="hold" nodeType="afterEffect">
+                                  <p:stCondLst>
+                                    <p:cond delay="0"/>
+                                  </p:stCondLst>
+                                  <p:childTnLst>
+                                    <p:set>
+                                      <p:cBhvr>
+                                        <p:cTn id="11" dur="1" fill="hold">
+                                          <p:stCondLst>
+                                            <p:cond delay="0"/>
+                                          </p:stCondLst>
+                                        </p:cTn>
+                                        <p:tgtEl>
+                                          <p:spTgt spid="7"/>
+                                        </p:tgtEl>
+                                        <p:attrNameLst>
+                                          <p:attrName>style.visibility</p:attrName>
+                                        </p:attrNameLst>
+                                      </p:cBhvr>
+                                      <p:to>
+                                        <p:strVal val="visible"/>
+                                      </p:to>
+                                    </p:set>
+                                    <p:anim calcmode="lin" valueType="num">
+                                      <p:cBhvr additive="base">
+                                        <p:cTn id="12" dur="500" fill="hold"/>
+                                        <p:tgtEl>
+                                          <p:spTgt spid="7"/>
+                                        </p:tgtEl>
+                                        <p:attrNameLst>
+                                          <p:attrName>ppt_x</p:attrName>
+                                        </p:attrNameLst>
+                                      </p:cBhvr>
+                                      <p:tavLst>
+                                        <p:tav tm="0">
+                                          <p:val>
+                                            <p:strVal val="#ppt_x"/>
+                                          </p:val>
+                                        </p:tav>
+                                        <p:tav tm="100000">
+                                          <p:val>
+                                            <p:strVal val="#ppt_x"/>
+                                          </p:val>
+                                        </p:tav>
+                                      </p:tavLst>
+                                    </p:anim>
+                                    <p:anim calcmode="lin" valueType="num">
+                                      <p:cBhvr additive="base">
+                                        <p:cTn id="13" dur="500" fill="hold"/>
+                                        <p:tgtEl>
+                                          <p:spTgt spid="7"/>
+                                        </p:tgtEl>
+                                        <p:attrNameLst>
+                                          <p:attrName>ppt_y</p:attrName>
+                                        </p:attrNameLst>
+                                      </p:cBhvr>
+                                      <p:tavLst>
+                                        <p:tav tm="0">
+                                          <p:val>
+                                            <p:strVal val="1+#ppt_h/2"/>
+                                          </p:val>
+                                        </p:tav>
+                                        <p:tav tm="100000">
+                                          <p:val>
+                                            <p:strVal val="#ppt_y"/>
+                                          </p:val>
+                                        </p:tav>
+                                      </p:tavLst>
+                                    </p:anim>
+                                  </p:childTnLst>
+                                </p:cTn>
+                              </p:par>
+                            </p:childTnLst>
+                          </p:cTn>
+                        </p:par>
+                        <p:par>
+                          <p:cTn id="14" fill="hold">
+                            <p:stCondLst>
+                              <p:cond delay="1000"/>
+                            </p:stCondLst>
+                            <p:childTnLst>
+                              <p:par>
+                                <p:cTn id="15" presetID="2" presetClass="entr" presetSubtype="4" fill="hold" grpId="0" nodeType="afterEffect">
+                                  <p:stCondLst>
+                                    <p:cond delay="0"/>
+                                  </p:stCondLst>
+                                  <p:childTnLst>
+                                    <p:set>
+                                      <p:cBhvr>
+                                        <p:cTn id="16" dur="1" fill="hold">
+                                          <p:stCondLst>
+                                            <p:cond delay="0"/>
+                                          </p:stCondLst>
+                                        </p:cTn>
+                                        <p:tgtEl>
+                                          <p:spTgt spid="12"/>
+                                        </p:tgtEl>
+                                        <p:attrNameLst>
+                                          <p:attrName>style.visibility</p:attrName>
+                                        </p:attrNameLst>
+                                      </p:cBhvr>
+                                      <p:to>
+                                        <p:strVal val="visible"/>
+                                      </p:to>
+                                    </p:set>
+                                    <p:anim calcmode="lin" valueType="num">
+                                      <p:cBhvr additive="base">
+                                        <p:cTn id="17" dur="500" fill="hold"/>
+                                        <p:tgtEl>
+                                          <p:spTgt spid="12"/>
+                                        </p:tgtEl>
+                                        <p:attrNameLst>
+                                          <p:attrName>ppt_x</p:attrName>
+                                        </p:attrNameLst>
+                                      </p:cBhvr>
+                                      <p:tavLst>
+                                        <p:tav tm="0">
+                                          <p:val>
+                                            <p:strVal val="#ppt_x"/>
+                                          </p:val>
+                                        </p:tav>
+                                        <p:tav tm="100000">
+                                          <p:val>
+                                            <p:strVal val="#ppt_x"/>
+                                          </p:val>
+                                        </p:tav>
+                                      </p:tavLst>
+                                    </p:anim>
+                                    <p:anim calcmode="lin" valueType="num">
+                                      <p:cBhvr additive="base">
+                                        <p:cTn id="18" dur="500" fill="hold"/>
+                                        <p:tgtEl>
+                                          <p:spTgt spid="12"/>
+                                        </p:tgtEl>
+                                        <p:attrNameLst>
+                                          <p:attrName>ppt_y</p:attrName>
+                                        </p:attrNameLst>
+                                      </p:cBhvr>
+                                      <p:tavLst>
+                                        <p:tav tm="0">
+                                          <p:val>
+                                            <p:strVal val="1+#ppt_h/2"/>
+                                          </p:val>
+                                        </p:tav>
+                                        <p:tav tm="100000">
+                                          <p:val>
+                                            <p:strVal val="#ppt_y"/>
+                                          </p:val>
+                                        </p:tav>
+                                      </p:tavLst>
+                                    </p:anim>
+                                  </p:childTnLst>
+                                </p:cTn>
+                              </p:par>
+                            </p:childTnLst>
+                          </p:cTn>
+                        </p:par>
+                      </p:childTnLst>
+                    </p:cTn>
+                  </p:par>
+                  <p:par>
+                    <p:cTn id="19" fill="hold">
+                      <p:stCondLst>
+                        <p:cond delay="indefinite"/>
+                      </p:stCondLst>
+                      <p:childTnLst>
+                        <p:par>
+                          <p:cTn id="20" fill="hold">
+                            <p:stCondLst>
+                              <p:cond delay="0"/>
+                            </p:stCondLst>
+                            <p:childTnLst>
+                              <p:par>
+                                <p:cTn id="21" presetID="2" presetClass="entr" presetSubtype="4" fill="hold" nodeType="clickEffect">
+                                  <p:stCondLst>
+                                    <p:cond delay="0"/>
+                                  </p:stCondLst>
+                                  <p:childTnLst>
+                                    <p:set>
+                                      <p:cBhvr>
+                                        <p:cTn id="22" dur="1" fill="hold">
+                                          <p:stCondLst>
+                                            <p:cond delay="0"/>
+                                          </p:stCondLst>
+                                        </p:cTn>
+                                        <p:tgtEl>
+                                          <p:spTgt spid="8"/>
+                                        </p:tgtEl>
+                                        <p:attrNameLst>
+                                          <p:attrName>style.visibility</p:attrName>
+                                        </p:attrNameLst>
+                                      </p:cBhvr>
+                                      <p:to>
+                                        <p:strVal val="visible"/>
+                                      </p:to>
+                                    </p:set>
+                                    <p:anim calcmode="lin" valueType="num">
+                                      <p:cBhvr additive="base">
+                                        <p:cTn id="23" dur="500" fill="hold"/>
+                                        <p:tgtEl>
+                                          <p:spTgt spid="8"/>
+                                        </p:tgtEl>
+                                        <p:attrNameLst>
+                                          <p:attrName>ppt_x</p:attrName>
+                                        </p:attrNameLst>
+                                      </p:cBhvr>
+                                      <p:tavLst>
+                                        <p:tav tm="0">
+                                          <p:val>
+                                            <p:strVal val="#ppt_x"/>
+                                          </p:val>
+                                        </p:tav>
+                                        <p:tav tm="100000">
+                                          <p:val>
+                                            <p:strVal val="#ppt_x"/>
+                                          </p:val>
+                                        </p:tav>
+                                      </p:tavLst>
+                                    </p:anim>
+                                    <p:anim calcmode="lin" valueType="num">
+                                      <p:cBhvr additive="base">
+                                        <p:cTn id="24" dur="500" fill="hold"/>
+                                        <p:tgtEl>
+                                          <p:spTgt spid="8"/>
+                                        </p:tgtEl>
+                                        <p:attrNameLst>
+                                          <p:attrName>ppt_y</p:attrName>
+                                        </p:attrNameLst>
+                                      </p:cBhvr>
+                                      <p:tavLst>
+                                        <p:tav tm="0">
+                                          <p:val>
+                                            <p:strVal val="1+#ppt_h/2"/>
+                                          </p:val>
+                                        </p:tav>
+                                        <p:tav tm="100000">
+                                          <p:val>
+                                            <p:strVal val="#ppt_y"/>
+                                          </p:val>
+                                        </p:tav>
+                                      </p:tavLst>
+                                    </p:anim>
+                                  </p:childTnLst>
+                                </p:cTn>
+                              </p:par>
+                            </p:childTnLst>
+                          </p:cTn>
+                        </p:par>
+                        <p:par>
+                          <p:cTn id="25" fill="hold">
+                            <p:stCondLst>
+                              <p:cond delay="500"/>
+                            </p:stCondLst>
+                            <p:childTnLst>
+                              <p:par>
+                                <p:cTn id="26" presetID="2" presetClass="entr" presetSubtype="4" fill="hold" grpId="0" nodeType="afterEffect">
+                                  <p:stCondLst>
+                                    <p:cond delay="0"/>
+                                  </p:stCondLst>
+                                  <p:childTnLst>
+                                    <p:set>
+                                      <p:cBhvr>
+                                        <p:cTn id="27" dur="1" fill="hold">
+                                          <p:stCondLst>
+                                            <p:cond delay="0"/>
+                                          </p:stCondLst>
+                                        </p:cTn>
+                                        <p:tgtEl>
+                                          <p:spTgt spid="13"/>
+                                        </p:tgtEl>
+                                        <p:attrNameLst>
+                                          <p:attrName>style.visibility</p:attrName>
+                                        </p:attrNameLst>
+                                      </p:cBhvr>
+                                      <p:to>
+                                        <p:strVal val="visible"/>
+                                      </p:to>
+                                    </p:set>
+                                    <p:anim calcmode="lin" valueType="num">
+                                      <p:cBhvr additive="base">
+                                        <p:cTn id="28" dur="500" fill="hold"/>
+                                        <p:tgtEl>
+                                          <p:spTgt spid="13"/>
+                                        </p:tgtEl>
+                                        <p:attrNameLst>
+                                          <p:attrName>ppt_x</p:attrName>
+                                        </p:attrNameLst>
+                                      </p:cBhvr>
+                                      <p:tavLst>
+                                        <p:tav tm="0">
+                                          <p:val>
+                                            <p:strVal val="#ppt_x"/>
+                                          </p:val>
+                                        </p:tav>
+                                        <p:tav tm="100000">
+                                          <p:val>
+                                            <p:strVal val="#ppt_x"/>
+                                          </p:val>
+                                        </p:tav>
+                                      </p:tavLst>
+                                    </p:anim>
+                                    <p:anim calcmode="lin" valueType="num">
+                                      <p:cBhvr additive="base">
+                                        <p:cTn id="29" dur="500" fill="hold"/>
+                                        <p:tgtEl>
+                                          <p:spTgt spid="13"/>
+                                        </p:tgtEl>
+                                        <p:attrNameLst>
+                                          <p:attrName>ppt_y</p:attrName>
+                                        </p:attrNameLst>
+                                      </p:cBhvr>
+                                      <p:tavLst>
+                                        <p:tav tm="0">
+                                          <p:val>
+                                            <p:strVal val="1+#ppt_h/2"/>
+                                          </p:val>
+                                        </p:tav>
+                                        <p:tav tm="100000">
+                                          <p:val>
+                                            <p:strVal val="#ppt_y"/>
+                                          </p:val>
+                                        </p:tav>
+                                      </p:tavLst>
+                                    </p:anim>
+                                  </p:childTnLst>
+                                </p:cTn>
+                              </p:par>
+                            </p:childTnLst>
+                          </p:cTn>
+                        </p:par>
                       </p:childTnLst>
                     </p:cTn>
                   </p:par>
@@ -13229,6 +13566,10 @@
         </p:cTn>
       </p:par>
     </p:tnLst>
+    <p:bldLst>
+      <p:bldP spid="12" grpId="0" animBg="1"/>
+      <p:bldP spid="13" grpId="0" animBg="1"/>
+    </p:bldLst>
   </p:timing>
 </p:sld>
 </file>

--- a/课程PPT/10.JS作用域及执行上下文.pptx
+++ b/课程PPT/10.JS作用域及执行上下文.pptx
@@ -1284,7 +1284,7 @@
           <a:p>
             <a:r>
               <a:rPr lang="zh-CN" altLang="en-US" dirty="0"/>
-              <a:t>讲课执行上下文、下班执行上下文</a:t>
+              <a:t>学校、教室、宿舍、食堂</a:t>
             </a:r>
             <a:endParaRPr lang="zh-CN" altLang="en-US" dirty="0"/>
           </a:p>
@@ -4348,7 +4348,7 @@
       </p:sp>
       <p:pic>
         <p:nvPicPr>
-          <p:cNvPr id="4" name="图片 3" descr="C:\Users\qile\Desktop\捕获.PNG捕获"/>
+          <p:cNvPr id="4" name="图片 3" descr="C:\Users\qile\Desktop\QQ图片20180402085205.pngQQ图片20180402085205"/>
           <p:cNvPicPr>
             <a:picLocks noChangeAspect="1"/>
           </p:cNvPicPr>
@@ -4363,8 +4363,8 @@
         </p:blipFill>
         <p:spPr>
           <a:xfrm>
-            <a:off x="5629593" y="1605280"/>
-            <a:ext cx="5812155" cy="3982720"/>
+            <a:off x="5656580" y="1533525"/>
+            <a:ext cx="6238240" cy="4541520"/>
           </a:xfrm>
           <a:prstGeom prst="rect">
             <a:avLst/>
@@ -5211,8 +5211,8 @@
         </p:nvSpPr>
         <p:spPr>
           <a:xfrm>
-            <a:off x="4149090" y="6308090"/>
-            <a:ext cx="6600190" cy="429895"/>
+            <a:off x="6736715" y="6308090"/>
+            <a:ext cx="4835525" cy="429895"/>
           </a:xfrm>
           <a:prstGeom prst="rect">
             <a:avLst/>
@@ -5244,27 +5244,7 @@
                 <a:latin typeface="+mn-ea"/>
                 <a:ea typeface="+mn-ea"/>
               </a:rPr>
-              <a:t>demo04_2</a:t>
-            </a:r>
-            <a:r>
-              <a:rPr lang="zh-CN" altLang="en-US" sz="2200">
-                <a:solidFill>
-                  <a:srgbClr val="FF0000"/>
-                </a:solidFill>
-                <a:latin typeface="+mn-ea"/>
-                <a:ea typeface="+mn-ea"/>
-              </a:rPr>
-              <a:t>和</a:t>
-            </a:r>
-            <a:r>
-              <a:rPr lang="en-US" altLang="zh-CN" sz="2200">
-                <a:solidFill>
-                  <a:srgbClr val="FF0000"/>
-                </a:solidFill>
-                <a:latin typeface="+mn-ea"/>
-                <a:ea typeface="+mn-ea"/>
-              </a:rPr>
-              <a:t>index04_2.html </a:t>
+              <a:t>demo04_2 </a:t>
             </a:r>
             <a:r>
               <a:rPr lang="zh-CN" altLang="en-US" sz="2200">
@@ -8646,8 +8626,8 @@
         </p:nvSpPr>
         <p:spPr>
           <a:xfrm>
-            <a:off x="5367655" y="6221095"/>
-            <a:ext cx="5688330" cy="429895"/>
+            <a:off x="6085205" y="6221095"/>
+            <a:ext cx="4192270" cy="429895"/>
           </a:xfrm>
           <a:prstGeom prst="rect">
             <a:avLst/>
@@ -8679,7 +8659,7 @@
                 <a:latin typeface="+mn-ea"/>
                 <a:ea typeface="+mn-ea"/>
               </a:rPr>
-              <a:t>demo05 index05.html </a:t>
+              <a:t>demo05 </a:t>
             </a:r>
             <a:r>
               <a:rPr lang="zh-CN" altLang="en-US" sz="2200">
@@ -15873,7 +15853,23 @@
                   <a:schemeClr val="tx1"/>
                 </a:solidFill>
               </a:rPr>
-              <a:t>执行上下文</a:t>
+              <a:t>执行上下文（</a:t>
+            </a:r>
+            <a:r>
+              <a:rPr kumimoji="0" lang="en-US" altLang="zh-CN" sz="3200" dirty="0" smtClean="0">
+                <a:solidFill>
+                  <a:schemeClr val="tx1"/>
+                </a:solidFill>
+              </a:rPr>
+              <a:t>context</a:t>
+            </a:r>
+            <a:r>
+              <a:rPr kumimoji="0" lang="zh-CN" altLang="en-US" sz="3200" dirty="0" smtClean="0">
+                <a:solidFill>
+                  <a:schemeClr val="tx1"/>
+                </a:solidFill>
+              </a:rPr>
+              <a:t>）</a:t>
             </a:r>
             <a:br>
               <a:rPr kumimoji="0" lang="zh-CN" sz="3200" dirty="0" smtClean="0">

--- a/课程PPT/10.JS作用域及执行上下文.pptx
+++ b/课程PPT/10.JS作用域及执行上下文.pptx
@@ -4071,7 +4071,7 @@
                   <a:schemeClr val="tx1"/>
                 </a:solidFill>
               </a:rPr>
-              <a:t>理解执行上下文（通俗的例子）</a:t>
+              <a:t>理解执行上下文</a:t>
             </a:r>
             <a:br>
               <a:rPr kumimoji="0" lang="zh-CN" sz="3200" dirty="0" smtClean="0">
@@ -4422,7 +4422,7 @@
                 <a:latin typeface="+mn-ea"/>
                 <a:ea typeface="+mn-ea"/>
               </a:rPr>
-              <a:t>理解执行上下文的通俗例子</a:t>
+              <a:t>理解执行上下文的例子</a:t>
             </a:r>
             <a:endParaRPr lang="zh-CN" altLang="en-US" sz="2200">
               <a:solidFill>
@@ -15862,6 +15862,14 @@
                 </a:solidFill>
               </a:rPr>
               <a:t>context</a:t>
+            </a:r>
+            <a:r>
+              <a:rPr kumimoji="0" lang="zh-CN" altLang="en-US" sz="3200" dirty="0" smtClean="0">
+                <a:solidFill>
+                  <a:schemeClr val="tx1"/>
+                </a:solidFill>
+              </a:rPr>
+              <a:t>，举例生活中的上下文环境</a:t>
             </a:r>
             <a:r>
               <a:rPr kumimoji="0" lang="zh-CN" altLang="en-US" sz="3200" dirty="0" smtClean="0">
